--- a/ppt 16-9/1017.爱何等大.pptx
+++ b/ppt 16-9/1017.爱何等大.pptx
@@ -5,7 +5,7 @@
     <p:sldMasterId id="2147483648" r:id="rId1"/>
   </p:sldMasterIdLst>
   <p:sldIdLst>
-    <p:sldId id="437" r:id="rId2"/>
+    <p:sldId id="439" r:id="rId2"/>
   </p:sldIdLst>
   <p:sldSz cx="12192000" cy="6858000"/>
   <p:notesSz cx="6858000" cy="9144000"/>
@@ -129,7 +129,7 @@
           <p:cNvPr id="2" name="标题 1">
             <a:extLst>
               <a:ext uri="{FF2B5EF4-FFF2-40B4-BE49-F238E27FC236}">
-                <a16:creationId xmlns:a16="http://schemas.microsoft.com/office/drawing/2014/main" id="{CF01102F-533F-64A6-BF22-CB731A52DFD9}"/>
+                <a16:creationId xmlns:a16="http://schemas.microsoft.com/office/drawing/2014/main" id="{FF4DCD43-DB12-F841-3189-84F391EDF687}"/>
               </a:ext>
             </a:extLst>
           </p:cNvPr>
@@ -166,7 +166,7 @@
           <p:cNvPr id="3" name="副标题 2">
             <a:extLst>
               <a:ext uri="{FF2B5EF4-FFF2-40B4-BE49-F238E27FC236}">
-                <a16:creationId xmlns:a16="http://schemas.microsoft.com/office/drawing/2014/main" id="{A2E6ECE3-2231-5BB6-A5A8-9A2B22B25373}"/>
+                <a16:creationId xmlns:a16="http://schemas.microsoft.com/office/drawing/2014/main" id="{8509FCF2-4C9D-8E1E-A766-04AE80AE1B02}"/>
               </a:ext>
             </a:extLst>
           </p:cNvPr>
@@ -236,7 +236,7 @@
           <p:cNvPr id="4" name="日期占位符 3">
             <a:extLst>
               <a:ext uri="{FF2B5EF4-FFF2-40B4-BE49-F238E27FC236}">
-                <a16:creationId xmlns:a16="http://schemas.microsoft.com/office/drawing/2014/main" id="{8F15B881-80CF-8B2E-A068-03B4D5425E7A}"/>
+                <a16:creationId xmlns:a16="http://schemas.microsoft.com/office/drawing/2014/main" id="{5C93CD87-D4C7-654C-DA6C-81B2CE5C0616}"/>
               </a:ext>
             </a:extLst>
           </p:cNvPr>
@@ -252,7 +252,7 @@
           <a:bodyPr/>
           <a:lstStyle/>
           <a:p>
-            <a:fld id="{568D30C1-108C-4E92-9B6C-AB2BAB923415}" type="datetimeFigureOut">
+            <a:fld id="{DDFA0B95-8BFD-44C2-9619-BA82F292B56E}" type="datetimeFigureOut">
               <a:rPr lang="zh-CN" altLang="en-US" smtClean="0"/>
               <a:t>2024/3/10</a:t>
             </a:fld>
@@ -265,7 +265,7 @@
           <p:cNvPr id="5" name="页脚占位符 4">
             <a:extLst>
               <a:ext uri="{FF2B5EF4-FFF2-40B4-BE49-F238E27FC236}">
-                <a16:creationId xmlns:a16="http://schemas.microsoft.com/office/drawing/2014/main" id="{AB17E58F-D761-C786-47F8-4E2233C6F784}"/>
+                <a16:creationId xmlns:a16="http://schemas.microsoft.com/office/drawing/2014/main" id="{75B099ED-43A4-0C02-FA7B-1832C737892D}"/>
               </a:ext>
             </a:extLst>
           </p:cNvPr>
@@ -290,7 +290,7 @@
           <p:cNvPr id="6" name="灯片编号占位符 5">
             <a:extLst>
               <a:ext uri="{FF2B5EF4-FFF2-40B4-BE49-F238E27FC236}">
-                <a16:creationId xmlns:a16="http://schemas.microsoft.com/office/drawing/2014/main" id="{01397252-FA7D-90E3-5F1E-AC5C00C0AE3D}"/>
+                <a16:creationId xmlns:a16="http://schemas.microsoft.com/office/drawing/2014/main" id="{B123B5E7-8522-2BB0-0C00-2B9D3F82A78C}"/>
               </a:ext>
             </a:extLst>
           </p:cNvPr>
@@ -306,7 +306,7 @@
           <a:bodyPr/>
           <a:lstStyle/>
           <a:p>
-            <a:fld id="{CB4A6E50-F256-4270-B49A-AC694AC2CDA6}" type="slidenum">
+            <a:fld id="{CD5A9813-E20F-40D9-8677-D76F862086D3}" type="slidenum">
               <a:rPr lang="zh-CN" altLang="en-US" smtClean="0"/>
               <a:t>‹#›</a:t>
             </a:fld>
@@ -317,7 +317,7 @@
     </p:spTree>
     <p:extLst>
       <p:ext uri="{BB962C8B-B14F-4D97-AF65-F5344CB8AC3E}">
-        <p14:creationId xmlns:p14="http://schemas.microsoft.com/office/powerpoint/2010/main" val="2399758020"/>
+        <p14:creationId xmlns:p14="http://schemas.microsoft.com/office/powerpoint/2010/main" val="1742693036"/>
       </p:ext>
     </p:extLst>
   </p:cSld>
@@ -349,7 +349,7 @@
           <p:cNvPr id="2" name="标题 1">
             <a:extLst>
               <a:ext uri="{FF2B5EF4-FFF2-40B4-BE49-F238E27FC236}">
-                <a16:creationId xmlns:a16="http://schemas.microsoft.com/office/drawing/2014/main" id="{2F9B4329-874C-D81D-0CD8-F098C7B454D5}"/>
+                <a16:creationId xmlns:a16="http://schemas.microsoft.com/office/drawing/2014/main" id="{371B1411-A861-6E6E-F2CE-2E558631EE0B}"/>
               </a:ext>
             </a:extLst>
           </p:cNvPr>
@@ -377,7 +377,7 @@
           <p:cNvPr id="3" name="竖排文字占位符 2">
             <a:extLst>
               <a:ext uri="{FF2B5EF4-FFF2-40B4-BE49-F238E27FC236}">
-                <a16:creationId xmlns:a16="http://schemas.microsoft.com/office/drawing/2014/main" id="{6F97E7B6-2D9B-615C-CF55-BAEE159A1793}"/>
+                <a16:creationId xmlns:a16="http://schemas.microsoft.com/office/drawing/2014/main" id="{D7E8E7A6-0F46-3E6F-B496-2DE3BE2D27BE}"/>
               </a:ext>
             </a:extLst>
           </p:cNvPr>
@@ -434,7 +434,7 @@
           <p:cNvPr id="4" name="日期占位符 3">
             <a:extLst>
               <a:ext uri="{FF2B5EF4-FFF2-40B4-BE49-F238E27FC236}">
-                <a16:creationId xmlns:a16="http://schemas.microsoft.com/office/drawing/2014/main" id="{8DCFEE24-F28E-3F0C-627A-70D6D8130256}"/>
+                <a16:creationId xmlns:a16="http://schemas.microsoft.com/office/drawing/2014/main" id="{4FEA810B-8B56-7CF4-4B38-B6E5E62BCC99}"/>
               </a:ext>
             </a:extLst>
           </p:cNvPr>
@@ -450,7 +450,7 @@
           <a:bodyPr/>
           <a:lstStyle/>
           <a:p>
-            <a:fld id="{568D30C1-108C-4E92-9B6C-AB2BAB923415}" type="datetimeFigureOut">
+            <a:fld id="{DDFA0B95-8BFD-44C2-9619-BA82F292B56E}" type="datetimeFigureOut">
               <a:rPr lang="zh-CN" altLang="en-US" smtClean="0"/>
               <a:t>2024/3/10</a:t>
             </a:fld>
@@ -463,7 +463,7 @@
           <p:cNvPr id="5" name="页脚占位符 4">
             <a:extLst>
               <a:ext uri="{FF2B5EF4-FFF2-40B4-BE49-F238E27FC236}">
-                <a16:creationId xmlns:a16="http://schemas.microsoft.com/office/drawing/2014/main" id="{F5FE67EE-A821-6692-EECC-823E802F4A42}"/>
+                <a16:creationId xmlns:a16="http://schemas.microsoft.com/office/drawing/2014/main" id="{ED19D3C7-B073-4391-516C-F6A1D9E201DE}"/>
               </a:ext>
             </a:extLst>
           </p:cNvPr>
@@ -488,7 +488,7 @@
           <p:cNvPr id="6" name="灯片编号占位符 5">
             <a:extLst>
               <a:ext uri="{FF2B5EF4-FFF2-40B4-BE49-F238E27FC236}">
-                <a16:creationId xmlns:a16="http://schemas.microsoft.com/office/drawing/2014/main" id="{971F50A9-7E34-AA41-418F-3954D4876E2E}"/>
+                <a16:creationId xmlns:a16="http://schemas.microsoft.com/office/drawing/2014/main" id="{4F41FA45-F2A6-734D-7D14-673C8B0A89D8}"/>
               </a:ext>
             </a:extLst>
           </p:cNvPr>
@@ -504,7 +504,7 @@
           <a:bodyPr/>
           <a:lstStyle/>
           <a:p>
-            <a:fld id="{CB4A6E50-F256-4270-B49A-AC694AC2CDA6}" type="slidenum">
+            <a:fld id="{CD5A9813-E20F-40D9-8677-D76F862086D3}" type="slidenum">
               <a:rPr lang="zh-CN" altLang="en-US" smtClean="0"/>
               <a:t>‹#›</a:t>
             </a:fld>
@@ -515,7 +515,7 @@
     </p:spTree>
     <p:extLst>
       <p:ext uri="{BB962C8B-B14F-4D97-AF65-F5344CB8AC3E}">
-        <p14:creationId xmlns:p14="http://schemas.microsoft.com/office/powerpoint/2010/main" val="2755132455"/>
+        <p14:creationId xmlns:p14="http://schemas.microsoft.com/office/powerpoint/2010/main" val="3585165298"/>
       </p:ext>
     </p:extLst>
   </p:cSld>
@@ -547,7 +547,7 @@
           <p:cNvPr id="2" name="竖排标题 1">
             <a:extLst>
               <a:ext uri="{FF2B5EF4-FFF2-40B4-BE49-F238E27FC236}">
-                <a16:creationId xmlns:a16="http://schemas.microsoft.com/office/drawing/2014/main" id="{509A63E9-AB7D-F14E-773E-237432D5F4A3}"/>
+                <a16:creationId xmlns:a16="http://schemas.microsoft.com/office/drawing/2014/main" id="{7B1397A2-0DAE-12C0-2EF1-8AFDD1EC8EBE}"/>
               </a:ext>
             </a:extLst>
           </p:cNvPr>
@@ -580,7 +580,7 @@
           <p:cNvPr id="3" name="竖排文字占位符 2">
             <a:extLst>
               <a:ext uri="{FF2B5EF4-FFF2-40B4-BE49-F238E27FC236}">
-                <a16:creationId xmlns:a16="http://schemas.microsoft.com/office/drawing/2014/main" id="{7AF040AE-8EAC-202C-3ABA-25A7B172DFFD}"/>
+                <a16:creationId xmlns:a16="http://schemas.microsoft.com/office/drawing/2014/main" id="{06DA0192-F8D7-4B62-7BA6-29D130B4EA3F}"/>
               </a:ext>
             </a:extLst>
           </p:cNvPr>
@@ -642,7 +642,7 @@
           <p:cNvPr id="4" name="日期占位符 3">
             <a:extLst>
               <a:ext uri="{FF2B5EF4-FFF2-40B4-BE49-F238E27FC236}">
-                <a16:creationId xmlns:a16="http://schemas.microsoft.com/office/drawing/2014/main" id="{06180ECA-F02E-F215-03A7-12879B020DB4}"/>
+                <a16:creationId xmlns:a16="http://schemas.microsoft.com/office/drawing/2014/main" id="{FF193BE6-4CA0-9865-83FD-9929115A3E7E}"/>
               </a:ext>
             </a:extLst>
           </p:cNvPr>
@@ -658,7 +658,7 @@
           <a:bodyPr/>
           <a:lstStyle/>
           <a:p>
-            <a:fld id="{568D30C1-108C-4E92-9B6C-AB2BAB923415}" type="datetimeFigureOut">
+            <a:fld id="{DDFA0B95-8BFD-44C2-9619-BA82F292B56E}" type="datetimeFigureOut">
               <a:rPr lang="zh-CN" altLang="en-US" smtClean="0"/>
               <a:t>2024/3/10</a:t>
             </a:fld>
@@ -671,7 +671,7 @@
           <p:cNvPr id="5" name="页脚占位符 4">
             <a:extLst>
               <a:ext uri="{FF2B5EF4-FFF2-40B4-BE49-F238E27FC236}">
-                <a16:creationId xmlns:a16="http://schemas.microsoft.com/office/drawing/2014/main" id="{104A088F-9756-1D11-28D8-EF97C4522EA2}"/>
+                <a16:creationId xmlns:a16="http://schemas.microsoft.com/office/drawing/2014/main" id="{420A0061-EAA4-F3B1-2E25-3FF5433CC6FE}"/>
               </a:ext>
             </a:extLst>
           </p:cNvPr>
@@ -696,7 +696,7 @@
           <p:cNvPr id="6" name="灯片编号占位符 5">
             <a:extLst>
               <a:ext uri="{FF2B5EF4-FFF2-40B4-BE49-F238E27FC236}">
-                <a16:creationId xmlns:a16="http://schemas.microsoft.com/office/drawing/2014/main" id="{C5FD1A08-A03E-9572-910C-4230354BD031}"/>
+                <a16:creationId xmlns:a16="http://schemas.microsoft.com/office/drawing/2014/main" id="{35497EE8-32D1-464D-23A2-AEC1182FCB60}"/>
               </a:ext>
             </a:extLst>
           </p:cNvPr>
@@ -712,7 +712,7 @@
           <a:bodyPr/>
           <a:lstStyle/>
           <a:p>
-            <a:fld id="{CB4A6E50-F256-4270-B49A-AC694AC2CDA6}" type="slidenum">
+            <a:fld id="{CD5A9813-E20F-40D9-8677-D76F862086D3}" type="slidenum">
               <a:rPr lang="zh-CN" altLang="en-US" smtClean="0"/>
               <a:t>‹#›</a:t>
             </a:fld>
@@ -723,7 +723,7 @@
     </p:spTree>
     <p:extLst>
       <p:ext uri="{BB962C8B-B14F-4D97-AF65-F5344CB8AC3E}">
-        <p14:creationId xmlns:p14="http://schemas.microsoft.com/office/powerpoint/2010/main" val="1578090464"/>
+        <p14:creationId xmlns:p14="http://schemas.microsoft.com/office/powerpoint/2010/main" val="195410546"/>
       </p:ext>
     </p:extLst>
   </p:cSld>
@@ -755,7 +755,7 @@
           <p:cNvPr id="2" name="标题 1">
             <a:extLst>
               <a:ext uri="{FF2B5EF4-FFF2-40B4-BE49-F238E27FC236}">
-                <a16:creationId xmlns:a16="http://schemas.microsoft.com/office/drawing/2014/main" id="{D2A7247A-2B56-4B84-E97E-0554525ED605}"/>
+                <a16:creationId xmlns:a16="http://schemas.microsoft.com/office/drawing/2014/main" id="{D0218E2B-D82A-2CEF-98AE-EB5D227BC745}"/>
               </a:ext>
             </a:extLst>
           </p:cNvPr>
@@ -783,7 +783,7 @@
           <p:cNvPr id="3" name="内容占位符 2">
             <a:extLst>
               <a:ext uri="{FF2B5EF4-FFF2-40B4-BE49-F238E27FC236}">
-                <a16:creationId xmlns:a16="http://schemas.microsoft.com/office/drawing/2014/main" id="{0C2C2443-E36E-065B-951B-8459D9416454}"/>
+                <a16:creationId xmlns:a16="http://schemas.microsoft.com/office/drawing/2014/main" id="{76E92122-D76A-591B-CF36-7AE3865D9294}"/>
               </a:ext>
             </a:extLst>
           </p:cNvPr>
@@ -840,7 +840,7 @@
           <p:cNvPr id="4" name="日期占位符 3">
             <a:extLst>
               <a:ext uri="{FF2B5EF4-FFF2-40B4-BE49-F238E27FC236}">
-                <a16:creationId xmlns:a16="http://schemas.microsoft.com/office/drawing/2014/main" id="{BE6D3124-AD6A-01FF-6019-77719D36D8A8}"/>
+                <a16:creationId xmlns:a16="http://schemas.microsoft.com/office/drawing/2014/main" id="{3A405002-91CD-4E0F-241B-240EE9394ED4}"/>
               </a:ext>
             </a:extLst>
           </p:cNvPr>
@@ -856,7 +856,7 @@
           <a:bodyPr/>
           <a:lstStyle/>
           <a:p>
-            <a:fld id="{568D30C1-108C-4E92-9B6C-AB2BAB923415}" type="datetimeFigureOut">
+            <a:fld id="{DDFA0B95-8BFD-44C2-9619-BA82F292B56E}" type="datetimeFigureOut">
               <a:rPr lang="zh-CN" altLang="en-US" smtClean="0"/>
               <a:t>2024/3/10</a:t>
             </a:fld>
@@ -869,7 +869,7 @@
           <p:cNvPr id="5" name="页脚占位符 4">
             <a:extLst>
               <a:ext uri="{FF2B5EF4-FFF2-40B4-BE49-F238E27FC236}">
-                <a16:creationId xmlns:a16="http://schemas.microsoft.com/office/drawing/2014/main" id="{29552AAC-8713-9ACC-95ED-3165154D0891}"/>
+                <a16:creationId xmlns:a16="http://schemas.microsoft.com/office/drawing/2014/main" id="{28C4902A-FF39-3C85-B291-02C305E4334A}"/>
               </a:ext>
             </a:extLst>
           </p:cNvPr>
@@ -894,7 +894,7 @@
           <p:cNvPr id="6" name="灯片编号占位符 5">
             <a:extLst>
               <a:ext uri="{FF2B5EF4-FFF2-40B4-BE49-F238E27FC236}">
-                <a16:creationId xmlns:a16="http://schemas.microsoft.com/office/drawing/2014/main" id="{6FB8AC3D-DB02-469D-7A78-4824270607B0}"/>
+                <a16:creationId xmlns:a16="http://schemas.microsoft.com/office/drawing/2014/main" id="{5755C663-19EF-F1A6-558F-B9E9D51C51D8}"/>
               </a:ext>
             </a:extLst>
           </p:cNvPr>
@@ -910,7 +910,7 @@
           <a:bodyPr/>
           <a:lstStyle/>
           <a:p>
-            <a:fld id="{CB4A6E50-F256-4270-B49A-AC694AC2CDA6}" type="slidenum">
+            <a:fld id="{CD5A9813-E20F-40D9-8677-D76F862086D3}" type="slidenum">
               <a:rPr lang="zh-CN" altLang="en-US" smtClean="0"/>
               <a:t>‹#›</a:t>
             </a:fld>
@@ -921,7 +921,7 @@
     </p:spTree>
     <p:extLst>
       <p:ext uri="{BB962C8B-B14F-4D97-AF65-F5344CB8AC3E}">
-        <p14:creationId xmlns:p14="http://schemas.microsoft.com/office/powerpoint/2010/main" val="2595798653"/>
+        <p14:creationId xmlns:p14="http://schemas.microsoft.com/office/powerpoint/2010/main" val="3015989871"/>
       </p:ext>
     </p:extLst>
   </p:cSld>
@@ -953,7 +953,7 @@
           <p:cNvPr id="2" name="标题 1">
             <a:extLst>
               <a:ext uri="{FF2B5EF4-FFF2-40B4-BE49-F238E27FC236}">
-                <a16:creationId xmlns:a16="http://schemas.microsoft.com/office/drawing/2014/main" id="{F7F8DB15-EEAD-558A-D210-C7FFC1E3BA6A}"/>
+                <a16:creationId xmlns:a16="http://schemas.microsoft.com/office/drawing/2014/main" id="{0947EF15-253E-E465-6865-254BC8812246}"/>
               </a:ext>
             </a:extLst>
           </p:cNvPr>
@@ -990,7 +990,7 @@
           <p:cNvPr id="3" name="文本占位符 2">
             <a:extLst>
               <a:ext uri="{FF2B5EF4-FFF2-40B4-BE49-F238E27FC236}">
-                <a16:creationId xmlns:a16="http://schemas.microsoft.com/office/drawing/2014/main" id="{3362A862-17A8-6D61-CBBF-DD10558E7B70}"/>
+                <a16:creationId xmlns:a16="http://schemas.microsoft.com/office/drawing/2014/main" id="{F7C8CB28-FABF-FD8A-33FB-103FCF628C57}"/>
               </a:ext>
             </a:extLst>
           </p:cNvPr>
@@ -1115,7 +1115,7 @@
           <p:cNvPr id="4" name="日期占位符 3">
             <a:extLst>
               <a:ext uri="{FF2B5EF4-FFF2-40B4-BE49-F238E27FC236}">
-                <a16:creationId xmlns:a16="http://schemas.microsoft.com/office/drawing/2014/main" id="{2EB556BD-20B3-4D51-E917-C6FBD7BFA12C}"/>
+                <a16:creationId xmlns:a16="http://schemas.microsoft.com/office/drawing/2014/main" id="{9EB30041-3D07-6AD2-E82F-D174F9A88D2C}"/>
               </a:ext>
             </a:extLst>
           </p:cNvPr>
@@ -1131,7 +1131,7 @@
           <a:bodyPr/>
           <a:lstStyle/>
           <a:p>
-            <a:fld id="{568D30C1-108C-4E92-9B6C-AB2BAB923415}" type="datetimeFigureOut">
+            <a:fld id="{DDFA0B95-8BFD-44C2-9619-BA82F292B56E}" type="datetimeFigureOut">
               <a:rPr lang="zh-CN" altLang="en-US" smtClean="0"/>
               <a:t>2024/3/10</a:t>
             </a:fld>
@@ -1144,7 +1144,7 @@
           <p:cNvPr id="5" name="页脚占位符 4">
             <a:extLst>
               <a:ext uri="{FF2B5EF4-FFF2-40B4-BE49-F238E27FC236}">
-                <a16:creationId xmlns:a16="http://schemas.microsoft.com/office/drawing/2014/main" id="{C8CA1B1B-505E-853D-9BAE-17F91E30742E}"/>
+                <a16:creationId xmlns:a16="http://schemas.microsoft.com/office/drawing/2014/main" id="{CB796092-4CCD-1CF0-E811-029A5C63289E}"/>
               </a:ext>
             </a:extLst>
           </p:cNvPr>
@@ -1169,7 +1169,7 @@
           <p:cNvPr id="6" name="灯片编号占位符 5">
             <a:extLst>
               <a:ext uri="{FF2B5EF4-FFF2-40B4-BE49-F238E27FC236}">
-                <a16:creationId xmlns:a16="http://schemas.microsoft.com/office/drawing/2014/main" id="{12CAA5C7-9746-F318-538E-DCBB8120CEB9}"/>
+                <a16:creationId xmlns:a16="http://schemas.microsoft.com/office/drawing/2014/main" id="{EF249220-AC29-7E25-9AE7-05812A1588B7}"/>
               </a:ext>
             </a:extLst>
           </p:cNvPr>
@@ -1185,7 +1185,7 @@
           <a:bodyPr/>
           <a:lstStyle/>
           <a:p>
-            <a:fld id="{CB4A6E50-F256-4270-B49A-AC694AC2CDA6}" type="slidenum">
+            <a:fld id="{CD5A9813-E20F-40D9-8677-D76F862086D3}" type="slidenum">
               <a:rPr lang="zh-CN" altLang="en-US" smtClean="0"/>
               <a:t>‹#›</a:t>
             </a:fld>
@@ -1196,7 +1196,7 @@
     </p:spTree>
     <p:extLst>
       <p:ext uri="{BB962C8B-B14F-4D97-AF65-F5344CB8AC3E}">
-        <p14:creationId xmlns:p14="http://schemas.microsoft.com/office/powerpoint/2010/main" val="985839955"/>
+        <p14:creationId xmlns:p14="http://schemas.microsoft.com/office/powerpoint/2010/main" val="3063110044"/>
       </p:ext>
     </p:extLst>
   </p:cSld>
@@ -1228,7 +1228,7 @@
           <p:cNvPr id="2" name="标题 1">
             <a:extLst>
               <a:ext uri="{FF2B5EF4-FFF2-40B4-BE49-F238E27FC236}">
-                <a16:creationId xmlns:a16="http://schemas.microsoft.com/office/drawing/2014/main" id="{DCB7E2C9-9D61-4182-8878-21B563D14731}"/>
+                <a16:creationId xmlns:a16="http://schemas.microsoft.com/office/drawing/2014/main" id="{77FEC899-6CF0-ED9B-9A35-155F703F4C50}"/>
               </a:ext>
             </a:extLst>
           </p:cNvPr>
@@ -1256,7 +1256,7 @@
           <p:cNvPr id="3" name="内容占位符 2">
             <a:extLst>
               <a:ext uri="{FF2B5EF4-FFF2-40B4-BE49-F238E27FC236}">
-                <a16:creationId xmlns:a16="http://schemas.microsoft.com/office/drawing/2014/main" id="{5DF2C976-F473-4DCA-90B6-B82B76CE5587}"/>
+                <a16:creationId xmlns:a16="http://schemas.microsoft.com/office/drawing/2014/main" id="{550D9E63-96D0-5286-C04D-13AE78A4B083}"/>
               </a:ext>
             </a:extLst>
           </p:cNvPr>
@@ -1318,7 +1318,7 @@
           <p:cNvPr id="4" name="内容占位符 3">
             <a:extLst>
               <a:ext uri="{FF2B5EF4-FFF2-40B4-BE49-F238E27FC236}">
-                <a16:creationId xmlns:a16="http://schemas.microsoft.com/office/drawing/2014/main" id="{91CACCE1-942F-8779-0A5D-0B5AB020285C}"/>
+                <a16:creationId xmlns:a16="http://schemas.microsoft.com/office/drawing/2014/main" id="{DA132C69-61D7-B068-49C4-A50AB3E7E8B7}"/>
               </a:ext>
             </a:extLst>
           </p:cNvPr>
@@ -1380,7 +1380,7 @@
           <p:cNvPr id="5" name="日期占位符 4">
             <a:extLst>
               <a:ext uri="{FF2B5EF4-FFF2-40B4-BE49-F238E27FC236}">
-                <a16:creationId xmlns:a16="http://schemas.microsoft.com/office/drawing/2014/main" id="{DB639B43-0383-BF6D-535A-5CCE1213B9BB}"/>
+                <a16:creationId xmlns:a16="http://schemas.microsoft.com/office/drawing/2014/main" id="{65F08B4A-5F93-E320-648B-11CE5E8E4D38}"/>
               </a:ext>
             </a:extLst>
           </p:cNvPr>
@@ -1396,7 +1396,7 @@
           <a:bodyPr/>
           <a:lstStyle/>
           <a:p>
-            <a:fld id="{568D30C1-108C-4E92-9B6C-AB2BAB923415}" type="datetimeFigureOut">
+            <a:fld id="{DDFA0B95-8BFD-44C2-9619-BA82F292B56E}" type="datetimeFigureOut">
               <a:rPr lang="zh-CN" altLang="en-US" smtClean="0"/>
               <a:t>2024/3/10</a:t>
             </a:fld>
@@ -1409,7 +1409,7 @@
           <p:cNvPr id="6" name="页脚占位符 5">
             <a:extLst>
               <a:ext uri="{FF2B5EF4-FFF2-40B4-BE49-F238E27FC236}">
-                <a16:creationId xmlns:a16="http://schemas.microsoft.com/office/drawing/2014/main" id="{E72A581E-3AE1-1CED-B2A5-1E6191055A64}"/>
+                <a16:creationId xmlns:a16="http://schemas.microsoft.com/office/drawing/2014/main" id="{DA162D03-E444-B753-E65E-6E69F5ADE6B1}"/>
               </a:ext>
             </a:extLst>
           </p:cNvPr>
@@ -1434,7 +1434,7 @@
           <p:cNvPr id="7" name="灯片编号占位符 6">
             <a:extLst>
               <a:ext uri="{FF2B5EF4-FFF2-40B4-BE49-F238E27FC236}">
-                <a16:creationId xmlns:a16="http://schemas.microsoft.com/office/drawing/2014/main" id="{B36A0885-4E08-F9EF-A3C4-214787207A1F}"/>
+                <a16:creationId xmlns:a16="http://schemas.microsoft.com/office/drawing/2014/main" id="{FDDA493B-7A8C-A8A4-232E-5FFB6298F42D}"/>
               </a:ext>
             </a:extLst>
           </p:cNvPr>
@@ -1450,7 +1450,7 @@
           <a:bodyPr/>
           <a:lstStyle/>
           <a:p>
-            <a:fld id="{CB4A6E50-F256-4270-B49A-AC694AC2CDA6}" type="slidenum">
+            <a:fld id="{CD5A9813-E20F-40D9-8677-D76F862086D3}" type="slidenum">
               <a:rPr lang="zh-CN" altLang="en-US" smtClean="0"/>
               <a:t>‹#›</a:t>
             </a:fld>
@@ -1461,7 +1461,7 @@
     </p:spTree>
     <p:extLst>
       <p:ext uri="{BB962C8B-B14F-4D97-AF65-F5344CB8AC3E}">
-        <p14:creationId xmlns:p14="http://schemas.microsoft.com/office/powerpoint/2010/main" val="1842547578"/>
+        <p14:creationId xmlns:p14="http://schemas.microsoft.com/office/powerpoint/2010/main" val="161219180"/>
       </p:ext>
     </p:extLst>
   </p:cSld>
@@ -1493,7 +1493,7 @@
           <p:cNvPr id="2" name="标题 1">
             <a:extLst>
               <a:ext uri="{FF2B5EF4-FFF2-40B4-BE49-F238E27FC236}">
-                <a16:creationId xmlns:a16="http://schemas.microsoft.com/office/drawing/2014/main" id="{C38D721A-6CF4-88E3-85B8-0A1567AF0A92}"/>
+                <a16:creationId xmlns:a16="http://schemas.microsoft.com/office/drawing/2014/main" id="{DF36D6C2-1683-7692-6DCF-55754D9F76DF}"/>
               </a:ext>
             </a:extLst>
           </p:cNvPr>
@@ -1526,7 +1526,7 @@
           <p:cNvPr id="3" name="文本占位符 2">
             <a:extLst>
               <a:ext uri="{FF2B5EF4-FFF2-40B4-BE49-F238E27FC236}">
-                <a16:creationId xmlns:a16="http://schemas.microsoft.com/office/drawing/2014/main" id="{C5DDD6DB-C914-2BBF-BFFB-326072D1303E}"/>
+                <a16:creationId xmlns:a16="http://schemas.microsoft.com/office/drawing/2014/main" id="{70DE1F3C-3834-CE24-A1E1-90FAE926C84E}"/>
               </a:ext>
             </a:extLst>
           </p:cNvPr>
@@ -1597,7 +1597,7 @@
           <p:cNvPr id="4" name="内容占位符 3">
             <a:extLst>
               <a:ext uri="{FF2B5EF4-FFF2-40B4-BE49-F238E27FC236}">
-                <a16:creationId xmlns:a16="http://schemas.microsoft.com/office/drawing/2014/main" id="{74CF7BFA-6426-8532-3176-EE6E45478288}"/>
+                <a16:creationId xmlns:a16="http://schemas.microsoft.com/office/drawing/2014/main" id="{1C8B0D88-EB12-48AE-C0FA-54EE51737E35}"/>
               </a:ext>
             </a:extLst>
           </p:cNvPr>
@@ -1659,7 +1659,7 @@
           <p:cNvPr id="5" name="文本占位符 4">
             <a:extLst>
               <a:ext uri="{FF2B5EF4-FFF2-40B4-BE49-F238E27FC236}">
-                <a16:creationId xmlns:a16="http://schemas.microsoft.com/office/drawing/2014/main" id="{FEEA9334-2BA8-2C0A-BB8E-A9F08F512BB2}"/>
+                <a16:creationId xmlns:a16="http://schemas.microsoft.com/office/drawing/2014/main" id="{6264AE62-E618-CD64-1741-0AA1CF0A8CB8}"/>
               </a:ext>
             </a:extLst>
           </p:cNvPr>
@@ -1730,7 +1730,7 @@
           <p:cNvPr id="6" name="内容占位符 5">
             <a:extLst>
               <a:ext uri="{FF2B5EF4-FFF2-40B4-BE49-F238E27FC236}">
-                <a16:creationId xmlns:a16="http://schemas.microsoft.com/office/drawing/2014/main" id="{E60C7C2C-3D82-FB4B-D3AD-DBB9D046C760}"/>
+                <a16:creationId xmlns:a16="http://schemas.microsoft.com/office/drawing/2014/main" id="{CC787C86-9317-9548-C2D9-8BA68CEC5B1E}"/>
               </a:ext>
             </a:extLst>
           </p:cNvPr>
@@ -1792,7 +1792,7 @@
           <p:cNvPr id="7" name="日期占位符 6">
             <a:extLst>
               <a:ext uri="{FF2B5EF4-FFF2-40B4-BE49-F238E27FC236}">
-                <a16:creationId xmlns:a16="http://schemas.microsoft.com/office/drawing/2014/main" id="{6CE7B3FD-18C3-E41F-A545-ADE30342A647}"/>
+                <a16:creationId xmlns:a16="http://schemas.microsoft.com/office/drawing/2014/main" id="{8D39D12D-3B98-51D3-DC37-F2E449DBF91C}"/>
               </a:ext>
             </a:extLst>
           </p:cNvPr>
@@ -1808,7 +1808,7 @@
           <a:bodyPr/>
           <a:lstStyle/>
           <a:p>
-            <a:fld id="{568D30C1-108C-4E92-9B6C-AB2BAB923415}" type="datetimeFigureOut">
+            <a:fld id="{DDFA0B95-8BFD-44C2-9619-BA82F292B56E}" type="datetimeFigureOut">
               <a:rPr lang="zh-CN" altLang="en-US" smtClean="0"/>
               <a:t>2024/3/10</a:t>
             </a:fld>
@@ -1821,7 +1821,7 @@
           <p:cNvPr id="8" name="页脚占位符 7">
             <a:extLst>
               <a:ext uri="{FF2B5EF4-FFF2-40B4-BE49-F238E27FC236}">
-                <a16:creationId xmlns:a16="http://schemas.microsoft.com/office/drawing/2014/main" id="{D20F33F4-1F17-71D7-A4F6-B2A1B26058EF}"/>
+                <a16:creationId xmlns:a16="http://schemas.microsoft.com/office/drawing/2014/main" id="{BAB010B0-E0C4-BCFA-28AB-0170FD644741}"/>
               </a:ext>
             </a:extLst>
           </p:cNvPr>
@@ -1846,7 +1846,7 @@
           <p:cNvPr id="9" name="灯片编号占位符 8">
             <a:extLst>
               <a:ext uri="{FF2B5EF4-FFF2-40B4-BE49-F238E27FC236}">
-                <a16:creationId xmlns:a16="http://schemas.microsoft.com/office/drawing/2014/main" id="{8701EEB9-52B2-6303-51B1-694AC3FFFF0A}"/>
+                <a16:creationId xmlns:a16="http://schemas.microsoft.com/office/drawing/2014/main" id="{EBC77094-C94F-53D0-78AD-8BAD8253BE7C}"/>
               </a:ext>
             </a:extLst>
           </p:cNvPr>
@@ -1862,7 +1862,7 @@
           <a:bodyPr/>
           <a:lstStyle/>
           <a:p>
-            <a:fld id="{CB4A6E50-F256-4270-B49A-AC694AC2CDA6}" type="slidenum">
+            <a:fld id="{CD5A9813-E20F-40D9-8677-D76F862086D3}" type="slidenum">
               <a:rPr lang="zh-CN" altLang="en-US" smtClean="0"/>
               <a:t>‹#›</a:t>
             </a:fld>
@@ -1873,7 +1873,7 @@
     </p:spTree>
     <p:extLst>
       <p:ext uri="{BB962C8B-B14F-4D97-AF65-F5344CB8AC3E}">
-        <p14:creationId xmlns:p14="http://schemas.microsoft.com/office/powerpoint/2010/main" val="905228111"/>
+        <p14:creationId xmlns:p14="http://schemas.microsoft.com/office/powerpoint/2010/main" val="2034463510"/>
       </p:ext>
     </p:extLst>
   </p:cSld>
@@ -1905,7 +1905,7 @@
           <p:cNvPr id="2" name="标题 1">
             <a:extLst>
               <a:ext uri="{FF2B5EF4-FFF2-40B4-BE49-F238E27FC236}">
-                <a16:creationId xmlns:a16="http://schemas.microsoft.com/office/drawing/2014/main" id="{1B010B50-0121-D9DB-8320-F6A0E326175F}"/>
+                <a16:creationId xmlns:a16="http://schemas.microsoft.com/office/drawing/2014/main" id="{E54E3147-2B3A-1019-CFF6-2BB4DFAA430F}"/>
               </a:ext>
             </a:extLst>
           </p:cNvPr>
@@ -1933,7 +1933,7 @@
           <p:cNvPr id="3" name="日期占位符 2">
             <a:extLst>
               <a:ext uri="{FF2B5EF4-FFF2-40B4-BE49-F238E27FC236}">
-                <a16:creationId xmlns:a16="http://schemas.microsoft.com/office/drawing/2014/main" id="{187F5108-4B2D-0ADC-4167-326CA5890848}"/>
+                <a16:creationId xmlns:a16="http://schemas.microsoft.com/office/drawing/2014/main" id="{739999C3-4D28-1207-09F1-0D906250E35E}"/>
               </a:ext>
             </a:extLst>
           </p:cNvPr>
@@ -1949,7 +1949,7 @@
           <a:bodyPr/>
           <a:lstStyle/>
           <a:p>
-            <a:fld id="{568D30C1-108C-4E92-9B6C-AB2BAB923415}" type="datetimeFigureOut">
+            <a:fld id="{DDFA0B95-8BFD-44C2-9619-BA82F292B56E}" type="datetimeFigureOut">
               <a:rPr lang="zh-CN" altLang="en-US" smtClean="0"/>
               <a:t>2024/3/10</a:t>
             </a:fld>
@@ -1962,7 +1962,7 @@
           <p:cNvPr id="4" name="页脚占位符 3">
             <a:extLst>
               <a:ext uri="{FF2B5EF4-FFF2-40B4-BE49-F238E27FC236}">
-                <a16:creationId xmlns:a16="http://schemas.microsoft.com/office/drawing/2014/main" id="{E75E6C35-368E-990F-E46B-050EF5806E81}"/>
+                <a16:creationId xmlns:a16="http://schemas.microsoft.com/office/drawing/2014/main" id="{40DF96B8-5ACA-5BBB-F9DF-1338951C04D4}"/>
               </a:ext>
             </a:extLst>
           </p:cNvPr>
@@ -1987,7 +1987,7 @@
           <p:cNvPr id="5" name="灯片编号占位符 4">
             <a:extLst>
               <a:ext uri="{FF2B5EF4-FFF2-40B4-BE49-F238E27FC236}">
-                <a16:creationId xmlns:a16="http://schemas.microsoft.com/office/drawing/2014/main" id="{69E4ACEC-5A85-CAD3-25C8-85FE551C208B}"/>
+                <a16:creationId xmlns:a16="http://schemas.microsoft.com/office/drawing/2014/main" id="{C0882A37-0E72-88BD-C9FD-04FB69C930CF}"/>
               </a:ext>
             </a:extLst>
           </p:cNvPr>
@@ -2003,7 +2003,7 @@
           <a:bodyPr/>
           <a:lstStyle/>
           <a:p>
-            <a:fld id="{CB4A6E50-F256-4270-B49A-AC694AC2CDA6}" type="slidenum">
+            <a:fld id="{CD5A9813-E20F-40D9-8677-D76F862086D3}" type="slidenum">
               <a:rPr lang="zh-CN" altLang="en-US" smtClean="0"/>
               <a:t>‹#›</a:t>
             </a:fld>
@@ -2014,7 +2014,7 @@
     </p:spTree>
     <p:extLst>
       <p:ext uri="{BB962C8B-B14F-4D97-AF65-F5344CB8AC3E}">
-        <p14:creationId xmlns:p14="http://schemas.microsoft.com/office/powerpoint/2010/main" val="2248925951"/>
+        <p14:creationId xmlns:p14="http://schemas.microsoft.com/office/powerpoint/2010/main" val="799550561"/>
       </p:ext>
     </p:extLst>
   </p:cSld>
@@ -2046,7 +2046,7 @@
           <p:cNvPr id="2" name="日期占位符 1">
             <a:extLst>
               <a:ext uri="{FF2B5EF4-FFF2-40B4-BE49-F238E27FC236}">
-                <a16:creationId xmlns:a16="http://schemas.microsoft.com/office/drawing/2014/main" id="{D228E45A-5246-12D2-A157-F5FDB73BE01B}"/>
+                <a16:creationId xmlns:a16="http://schemas.microsoft.com/office/drawing/2014/main" id="{C9EE9C62-FC44-8143-EBE8-D6C956BE51F8}"/>
               </a:ext>
             </a:extLst>
           </p:cNvPr>
@@ -2062,7 +2062,7 @@
           <a:bodyPr/>
           <a:lstStyle/>
           <a:p>
-            <a:fld id="{568D30C1-108C-4E92-9B6C-AB2BAB923415}" type="datetimeFigureOut">
+            <a:fld id="{DDFA0B95-8BFD-44C2-9619-BA82F292B56E}" type="datetimeFigureOut">
               <a:rPr lang="zh-CN" altLang="en-US" smtClean="0"/>
               <a:t>2024/3/10</a:t>
             </a:fld>
@@ -2075,7 +2075,7 @@
           <p:cNvPr id="3" name="页脚占位符 2">
             <a:extLst>
               <a:ext uri="{FF2B5EF4-FFF2-40B4-BE49-F238E27FC236}">
-                <a16:creationId xmlns:a16="http://schemas.microsoft.com/office/drawing/2014/main" id="{3636643D-17EE-8B50-DA7D-8F87A0FAA473}"/>
+                <a16:creationId xmlns:a16="http://schemas.microsoft.com/office/drawing/2014/main" id="{A9CEFDBA-F2ED-E1E4-F8AC-E88936D3DB4A}"/>
               </a:ext>
             </a:extLst>
           </p:cNvPr>
@@ -2100,7 +2100,7 @@
           <p:cNvPr id="4" name="灯片编号占位符 3">
             <a:extLst>
               <a:ext uri="{FF2B5EF4-FFF2-40B4-BE49-F238E27FC236}">
-                <a16:creationId xmlns:a16="http://schemas.microsoft.com/office/drawing/2014/main" id="{DE652307-F27C-87C6-97FA-D243C29B5F91}"/>
+                <a16:creationId xmlns:a16="http://schemas.microsoft.com/office/drawing/2014/main" id="{0509264C-D3AC-19EE-20FD-BEB368504FB9}"/>
               </a:ext>
             </a:extLst>
           </p:cNvPr>
@@ -2116,7 +2116,7 @@
           <a:bodyPr/>
           <a:lstStyle/>
           <a:p>
-            <a:fld id="{CB4A6E50-F256-4270-B49A-AC694AC2CDA6}" type="slidenum">
+            <a:fld id="{CD5A9813-E20F-40D9-8677-D76F862086D3}" type="slidenum">
               <a:rPr lang="zh-CN" altLang="en-US" smtClean="0"/>
               <a:t>‹#›</a:t>
             </a:fld>
@@ -2127,7 +2127,7 @@
     </p:spTree>
     <p:extLst>
       <p:ext uri="{BB962C8B-B14F-4D97-AF65-F5344CB8AC3E}">
-        <p14:creationId xmlns:p14="http://schemas.microsoft.com/office/powerpoint/2010/main" val="1293491412"/>
+        <p14:creationId xmlns:p14="http://schemas.microsoft.com/office/powerpoint/2010/main" val="3948939646"/>
       </p:ext>
     </p:extLst>
   </p:cSld>
@@ -2159,7 +2159,7 @@
           <p:cNvPr id="2" name="标题 1">
             <a:extLst>
               <a:ext uri="{FF2B5EF4-FFF2-40B4-BE49-F238E27FC236}">
-                <a16:creationId xmlns:a16="http://schemas.microsoft.com/office/drawing/2014/main" id="{5E0FEEB4-77D0-2CE7-8FC8-45489D424B52}"/>
+                <a16:creationId xmlns:a16="http://schemas.microsoft.com/office/drawing/2014/main" id="{B4B8F636-2D28-82EA-0460-0F378D03A461}"/>
               </a:ext>
             </a:extLst>
           </p:cNvPr>
@@ -2196,7 +2196,7 @@
           <p:cNvPr id="3" name="内容占位符 2">
             <a:extLst>
               <a:ext uri="{FF2B5EF4-FFF2-40B4-BE49-F238E27FC236}">
-                <a16:creationId xmlns:a16="http://schemas.microsoft.com/office/drawing/2014/main" id="{6F1C0119-7614-ACF9-C874-0D1B3454F226}"/>
+                <a16:creationId xmlns:a16="http://schemas.microsoft.com/office/drawing/2014/main" id="{CEAB7DA6-D36C-96A1-2C73-71C4EBAD754A}"/>
               </a:ext>
             </a:extLst>
           </p:cNvPr>
@@ -2286,7 +2286,7 @@
           <p:cNvPr id="4" name="文本占位符 3">
             <a:extLst>
               <a:ext uri="{FF2B5EF4-FFF2-40B4-BE49-F238E27FC236}">
-                <a16:creationId xmlns:a16="http://schemas.microsoft.com/office/drawing/2014/main" id="{A382AA53-940C-607E-A65C-7F9F9BCBEE9D}"/>
+                <a16:creationId xmlns:a16="http://schemas.microsoft.com/office/drawing/2014/main" id="{70454FFB-D71C-B5CF-3953-15FC9B5AAD94}"/>
               </a:ext>
             </a:extLst>
           </p:cNvPr>
@@ -2357,7 +2357,7 @@
           <p:cNvPr id="5" name="日期占位符 4">
             <a:extLst>
               <a:ext uri="{FF2B5EF4-FFF2-40B4-BE49-F238E27FC236}">
-                <a16:creationId xmlns:a16="http://schemas.microsoft.com/office/drawing/2014/main" id="{81BE5CCA-F95E-1347-DC89-980C6B511B8D}"/>
+                <a16:creationId xmlns:a16="http://schemas.microsoft.com/office/drawing/2014/main" id="{53DBF98C-25EF-8E80-F0D3-CE37798DFB1B}"/>
               </a:ext>
             </a:extLst>
           </p:cNvPr>
@@ -2373,7 +2373,7 @@
           <a:bodyPr/>
           <a:lstStyle/>
           <a:p>
-            <a:fld id="{568D30C1-108C-4E92-9B6C-AB2BAB923415}" type="datetimeFigureOut">
+            <a:fld id="{DDFA0B95-8BFD-44C2-9619-BA82F292B56E}" type="datetimeFigureOut">
               <a:rPr lang="zh-CN" altLang="en-US" smtClean="0"/>
               <a:t>2024/3/10</a:t>
             </a:fld>
@@ -2386,7 +2386,7 @@
           <p:cNvPr id="6" name="页脚占位符 5">
             <a:extLst>
               <a:ext uri="{FF2B5EF4-FFF2-40B4-BE49-F238E27FC236}">
-                <a16:creationId xmlns:a16="http://schemas.microsoft.com/office/drawing/2014/main" id="{19ABFA49-E63D-2D4A-F519-D2F27D2A759C}"/>
+                <a16:creationId xmlns:a16="http://schemas.microsoft.com/office/drawing/2014/main" id="{644D715D-D599-00D4-0F38-3B08FF2288BD}"/>
               </a:ext>
             </a:extLst>
           </p:cNvPr>
@@ -2411,7 +2411,7 @@
           <p:cNvPr id="7" name="灯片编号占位符 6">
             <a:extLst>
               <a:ext uri="{FF2B5EF4-FFF2-40B4-BE49-F238E27FC236}">
-                <a16:creationId xmlns:a16="http://schemas.microsoft.com/office/drawing/2014/main" id="{3ECA30A4-50AB-503D-CF53-1800B88315A6}"/>
+                <a16:creationId xmlns:a16="http://schemas.microsoft.com/office/drawing/2014/main" id="{7FD4F25C-FE9E-ABD5-CA0F-63A7DCD9A934}"/>
               </a:ext>
             </a:extLst>
           </p:cNvPr>
@@ -2427,7 +2427,7 @@
           <a:bodyPr/>
           <a:lstStyle/>
           <a:p>
-            <a:fld id="{CB4A6E50-F256-4270-B49A-AC694AC2CDA6}" type="slidenum">
+            <a:fld id="{CD5A9813-E20F-40D9-8677-D76F862086D3}" type="slidenum">
               <a:rPr lang="zh-CN" altLang="en-US" smtClean="0"/>
               <a:t>‹#›</a:t>
             </a:fld>
@@ -2438,7 +2438,7 @@
     </p:spTree>
     <p:extLst>
       <p:ext uri="{BB962C8B-B14F-4D97-AF65-F5344CB8AC3E}">
-        <p14:creationId xmlns:p14="http://schemas.microsoft.com/office/powerpoint/2010/main" val="2966371379"/>
+        <p14:creationId xmlns:p14="http://schemas.microsoft.com/office/powerpoint/2010/main" val="3926771587"/>
       </p:ext>
     </p:extLst>
   </p:cSld>
@@ -2470,7 +2470,7 @@
           <p:cNvPr id="2" name="标题 1">
             <a:extLst>
               <a:ext uri="{FF2B5EF4-FFF2-40B4-BE49-F238E27FC236}">
-                <a16:creationId xmlns:a16="http://schemas.microsoft.com/office/drawing/2014/main" id="{1E3664D6-34FA-3A39-6054-47DAB26A5233}"/>
+                <a16:creationId xmlns:a16="http://schemas.microsoft.com/office/drawing/2014/main" id="{1DDB986B-2783-2D73-5F4E-2D28848555EE}"/>
               </a:ext>
             </a:extLst>
           </p:cNvPr>
@@ -2507,7 +2507,7 @@
           <p:cNvPr id="3" name="图片占位符 2">
             <a:extLst>
               <a:ext uri="{FF2B5EF4-FFF2-40B4-BE49-F238E27FC236}">
-                <a16:creationId xmlns:a16="http://schemas.microsoft.com/office/drawing/2014/main" id="{7CBC4E12-B641-3862-EE19-61E128A9FC87}"/>
+                <a16:creationId xmlns:a16="http://schemas.microsoft.com/office/drawing/2014/main" id="{8C140BBC-D8C6-548D-223A-189A8CAAB17C}"/>
               </a:ext>
             </a:extLst>
           </p:cNvPr>
@@ -2574,7 +2574,7 @@
           <p:cNvPr id="4" name="文本占位符 3">
             <a:extLst>
               <a:ext uri="{FF2B5EF4-FFF2-40B4-BE49-F238E27FC236}">
-                <a16:creationId xmlns:a16="http://schemas.microsoft.com/office/drawing/2014/main" id="{0211BA13-7120-F611-F8C5-453536A4E476}"/>
+                <a16:creationId xmlns:a16="http://schemas.microsoft.com/office/drawing/2014/main" id="{14352F71-2917-7F30-72D8-54620753C11C}"/>
               </a:ext>
             </a:extLst>
           </p:cNvPr>
@@ -2645,7 +2645,7 @@
           <p:cNvPr id="5" name="日期占位符 4">
             <a:extLst>
               <a:ext uri="{FF2B5EF4-FFF2-40B4-BE49-F238E27FC236}">
-                <a16:creationId xmlns:a16="http://schemas.microsoft.com/office/drawing/2014/main" id="{B725F403-B410-1EBD-F8C6-D11517BF00B4}"/>
+                <a16:creationId xmlns:a16="http://schemas.microsoft.com/office/drawing/2014/main" id="{A15A4B83-AC7F-975E-6002-E950F0415618}"/>
               </a:ext>
             </a:extLst>
           </p:cNvPr>
@@ -2661,7 +2661,7 @@
           <a:bodyPr/>
           <a:lstStyle/>
           <a:p>
-            <a:fld id="{568D30C1-108C-4E92-9B6C-AB2BAB923415}" type="datetimeFigureOut">
+            <a:fld id="{DDFA0B95-8BFD-44C2-9619-BA82F292B56E}" type="datetimeFigureOut">
               <a:rPr lang="zh-CN" altLang="en-US" smtClean="0"/>
               <a:t>2024/3/10</a:t>
             </a:fld>
@@ -2674,7 +2674,7 @@
           <p:cNvPr id="6" name="页脚占位符 5">
             <a:extLst>
               <a:ext uri="{FF2B5EF4-FFF2-40B4-BE49-F238E27FC236}">
-                <a16:creationId xmlns:a16="http://schemas.microsoft.com/office/drawing/2014/main" id="{E31975B5-0DCF-7710-0E9E-B316E387BB46}"/>
+                <a16:creationId xmlns:a16="http://schemas.microsoft.com/office/drawing/2014/main" id="{37B30DA5-C6C0-66F3-4FEB-E6E88987849E}"/>
               </a:ext>
             </a:extLst>
           </p:cNvPr>
@@ -2699,7 +2699,7 @@
           <p:cNvPr id="7" name="灯片编号占位符 6">
             <a:extLst>
               <a:ext uri="{FF2B5EF4-FFF2-40B4-BE49-F238E27FC236}">
-                <a16:creationId xmlns:a16="http://schemas.microsoft.com/office/drawing/2014/main" id="{5E2D79C7-5683-E0BE-626F-AF02C2BB97BB}"/>
+                <a16:creationId xmlns:a16="http://schemas.microsoft.com/office/drawing/2014/main" id="{6D8E114F-039B-DE1C-6853-0F6B1B0BC9AD}"/>
               </a:ext>
             </a:extLst>
           </p:cNvPr>
@@ -2715,7 +2715,7 @@
           <a:bodyPr/>
           <a:lstStyle/>
           <a:p>
-            <a:fld id="{CB4A6E50-F256-4270-B49A-AC694AC2CDA6}" type="slidenum">
+            <a:fld id="{CD5A9813-E20F-40D9-8677-D76F862086D3}" type="slidenum">
               <a:rPr lang="zh-CN" altLang="en-US" smtClean="0"/>
               <a:t>‹#›</a:t>
             </a:fld>
@@ -2726,7 +2726,7 @@
     </p:spTree>
     <p:extLst>
       <p:ext uri="{BB962C8B-B14F-4D97-AF65-F5344CB8AC3E}">
-        <p14:creationId xmlns:p14="http://schemas.microsoft.com/office/powerpoint/2010/main" val="1946721536"/>
+        <p14:creationId xmlns:p14="http://schemas.microsoft.com/office/powerpoint/2010/main" val="4084401532"/>
       </p:ext>
     </p:extLst>
   </p:cSld>
@@ -2763,7 +2763,7 @@
           <p:cNvPr id="2" name="标题占位符 1">
             <a:extLst>
               <a:ext uri="{FF2B5EF4-FFF2-40B4-BE49-F238E27FC236}">
-                <a16:creationId xmlns:a16="http://schemas.microsoft.com/office/drawing/2014/main" id="{1CEE873F-1076-68A6-FB30-CDC297746A77}"/>
+                <a16:creationId xmlns:a16="http://schemas.microsoft.com/office/drawing/2014/main" id="{86B3DD37-2425-AB60-D65D-D1CA7C238383}"/>
               </a:ext>
             </a:extLst>
           </p:cNvPr>
@@ -2801,7 +2801,7 @@
           <p:cNvPr id="3" name="文本占位符 2">
             <a:extLst>
               <a:ext uri="{FF2B5EF4-FFF2-40B4-BE49-F238E27FC236}">
-                <a16:creationId xmlns:a16="http://schemas.microsoft.com/office/drawing/2014/main" id="{824166D5-900E-17DE-D25E-BB2C88FF9280}"/>
+                <a16:creationId xmlns:a16="http://schemas.microsoft.com/office/drawing/2014/main" id="{251FFB66-A52F-BEE5-34A0-B40B7C6CE627}"/>
               </a:ext>
             </a:extLst>
           </p:cNvPr>
@@ -2868,7 +2868,7 @@
           <p:cNvPr id="4" name="日期占位符 3">
             <a:extLst>
               <a:ext uri="{FF2B5EF4-FFF2-40B4-BE49-F238E27FC236}">
-                <a16:creationId xmlns:a16="http://schemas.microsoft.com/office/drawing/2014/main" id="{D65356E4-C83C-998E-8B80-B389AC3B4D93}"/>
+                <a16:creationId xmlns:a16="http://schemas.microsoft.com/office/drawing/2014/main" id="{8531FF50-D4B8-548C-B81E-89F2EE5EBD13}"/>
               </a:ext>
             </a:extLst>
           </p:cNvPr>
@@ -2902,7 +2902,7 @@
             </a:lvl1pPr>
           </a:lstStyle>
           <a:p>
-            <a:fld id="{568D30C1-108C-4E92-9B6C-AB2BAB923415}" type="datetimeFigureOut">
+            <a:fld id="{DDFA0B95-8BFD-44C2-9619-BA82F292B56E}" type="datetimeFigureOut">
               <a:rPr lang="zh-CN" altLang="en-US" smtClean="0"/>
               <a:t>2024/3/10</a:t>
             </a:fld>
@@ -2915,7 +2915,7 @@
           <p:cNvPr id="5" name="页脚占位符 4">
             <a:extLst>
               <a:ext uri="{FF2B5EF4-FFF2-40B4-BE49-F238E27FC236}">
-                <a16:creationId xmlns:a16="http://schemas.microsoft.com/office/drawing/2014/main" id="{55E82E53-80BF-5462-A706-29B8C4293CBF}"/>
+                <a16:creationId xmlns:a16="http://schemas.microsoft.com/office/drawing/2014/main" id="{A76FCC7C-DF71-443D-4AC2-35C0988D5B1C}"/>
               </a:ext>
             </a:extLst>
           </p:cNvPr>
@@ -2958,7 +2958,7 @@
           <p:cNvPr id="6" name="灯片编号占位符 5">
             <a:extLst>
               <a:ext uri="{FF2B5EF4-FFF2-40B4-BE49-F238E27FC236}">
-                <a16:creationId xmlns:a16="http://schemas.microsoft.com/office/drawing/2014/main" id="{2EE719F9-8E37-EE56-B3F1-B6C7206FCE81}"/>
+                <a16:creationId xmlns:a16="http://schemas.microsoft.com/office/drawing/2014/main" id="{7CC59058-7CE0-2DFE-B9DD-709E0E28DEAD}"/>
               </a:ext>
             </a:extLst>
           </p:cNvPr>
@@ -2992,7 +2992,7 @@
             </a:lvl1pPr>
           </a:lstStyle>
           <a:p>
-            <a:fld id="{CB4A6E50-F256-4270-B49A-AC694AC2CDA6}" type="slidenum">
+            <a:fld id="{CD5A9813-E20F-40D9-8677-D76F862086D3}" type="slidenum">
               <a:rPr lang="zh-CN" altLang="en-US" smtClean="0"/>
               <a:t>‹#›</a:t>
             </a:fld>
@@ -3003,7 +3003,7 @@
     </p:spTree>
     <p:extLst>
       <p:ext uri="{BB962C8B-B14F-4D97-AF65-F5344CB8AC3E}">
-        <p14:creationId xmlns:p14="http://schemas.microsoft.com/office/powerpoint/2010/main" val="1328916242"/>
+        <p14:creationId xmlns:p14="http://schemas.microsoft.com/office/powerpoint/2010/main" val="463502224"/>
       </p:ext>
     </p:extLst>
   </p:cSld>
@@ -3323,7 +3323,7 @@
       </p:grpSpPr>
       <p:pic>
         <p:nvPicPr>
-          <p:cNvPr id="1041410" name="Picture 2" descr="1016"/>
+          <p:cNvPr id="1042434" name="Picture 2" descr="1017"/>
           <p:cNvPicPr>
             <a:picLocks noChangeAspect="1" noChangeArrowheads="1"/>
           </p:cNvPicPr>
@@ -3375,158 +3375,11 @@
           </a:extLst>
         </p:spPr>
       </p:pic>
-      <p:pic>
-        <p:nvPicPr>
-          <p:cNvPr id="1042435" name="Picture 3" descr="1016-2"/>
-          <p:cNvPicPr>
-            <a:picLocks noChangeAspect="1" noChangeArrowheads="1"/>
-          </p:cNvPicPr>
-          <p:nvPr/>
-        </p:nvPicPr>
-        <p:blipFill>
-          <a:blip r:embed="rId3">
-            <a:extLst>
-              <a:ext uri="{28A0092B-C50C-407E-A947-70E740481C1C}">
-                <a14:useLocalDpi xmlns:a14="http://schemas.microsoft.com/office/drawing/2010/main" val="0"/>
-              </a:ext>
-            </a:extLst>
-          </a:blip>
-          <a:srcRect/>
-          <a:stretch>
-            <a:fillRect/>
-          </a:stretch>
-        </p:blipFill>
-        <p:spPr bwMode="auto">
-          <a:xfrm>
-            <a:off x="1524000" y="1"/>
-            <a:ext cx="9145588" cy="6843713"/>
-          </a:xfrm>
-          <a:prstGeom prst="rect">
-            <a:avLst/>
-          </a:prstGeom>
-          <a:noFill/>
-          <a:ln>
-            <a:noFill/>
-          </a:ln>
-          <a:effectLst/>
-          <a:extLst>
-            <a:ext uri="{909E8E84-426E-40DD-AFC4-6F175D3DCCD1}">
-              <a14:hiddenFill xmlns:a14="http://schemas.microsoft.com/office/drawing/2010/main">
-                <a:solidFill>
-                  <a:srgbClr val="FFFFFF"/>
-                </a:solidFill>
-              </a14:hiddenFill>
-            </a:ext>
-            <a:ext uri="{91240B29-F687-4F45-9708-019B960494DF}">
-              <a14:hiddenLine xmlns:a14="http://schemas.microsoft.com/office/drawing/2010/main" w="9525">
-                <a:solidFill>
-                  <a:srgbClr val="000000"/>
-                </a:solidFill>
-                <a:miter lim="800000"/>
-                <a:headEnd/>
-                <a:tailEnd/>
-              </a14:hiddenLine>
-            </a:ext>
-            <a:ext uri="{AF507438-7753-43E0-B8FC-AC1667EBCBE1}">
-              <a14:hiddenEffects xmlns:a14="http://schemas.microsoft.com/office/drawing/2010/main">
-                <a:effectLst>
-                  <a:outerShdw dist="35921" dir="2700000" algn="ctr" rotWithShape="0">
-                    <a:srgbClr val="808080"/>
-                  </a:outerShdw>
-                </a:effectLst>
-              </a14:hiddenEffects>
-            </a:ext>
-          </a:extLst>
-        </p:spPr>
-      </p:pic>
     </p:spTree>
   </p:cSld>
   <p:clrMapOvr>
     <a:masterClrMapping/>
   </p:clrMapOvr>
-  <p:timing>
-    <p:tnLst>
-      <p:par>
-        <p:cTn id="1" dur="indefinite" restart="never" nodeType="tmRoot">
-          <p:childTnLst>
-            <p:seq concurrent="1" nextAc="seek">
-              <p:cTn id="2" dur="indefinite" nodeType="mainSeq">
-                <p:childTnLst>
-                  <p:par>
-                    <p:cTn id="3" fill="hold" nodeType="clickPar">
-                      <p:stCondLst>
-                        <p:cond delay="indefinite"/>
-                      </p:stCondLst>
-                      <p:childTnLst>
-                        <p:par>
-                          <p:cTn id="4" fill="hold" nodeType="withGroup">
-                            <p:stCondLst>
-                              <p:cond delay="0"/>
-                            </p:stCondLst>
-                            <p:childTnLst>
-                              <p:par>
-                                <p:cTn id="5" presetID="10" presetClass="entr" presetSubtype="0" fill="hold" nodeType="clickEffect">
-                                  <p:stCondLst>
-                                    <p:cond delay="0"/>
-                                  </p:stCondLst>
-                                  <p:childTnLst>
-                                    <p:set>
-                                      <p:cBhvr>
-                                        <p:cTn id="6" dur="1" fill="hold">
-                                          <p:stCondLst>
-                                            <p:cond delay="0"/>
-                                          </p:stCondLst>
-                                        </p:cTn>
-                                        <p:tgtEl>
-                                          <p:spTgt spid="1042435"/>
-                                        </p:tgtEl>
-                                        <p:attrNameLst>
-                                          <p:attrName>style.visibility</p:attrName>
-                                        </p:attrNameLst>
-                                      </p:cBhvr>
-                                      <p:to>
-                                        <p:strVal val="visible"/>
-                                      </p:to>
-                                    </p:set>
-                                    <p:animEffect transition="in" filter="fade">
-                                      <p:cBhvr>
-                                        <p:cTn id="7" dur="500"/>
-                                        <p:tgtEl>
-                                          <p:spTgt spid="1042435"/>
-                                        </p:tgtEl>
-                                      </p:cBhvr>
-                                    </p:animEffect>
-                                  </p:childTnLst>
-                                </p:cTn>
-                              </p:par>
-                            </p:childTnLst>
-                          </p:cTn>
-                        </p:par>
-                      </p:childTnLst>
-                    </p:cTn>
-                  </p:par>
-                </p:childTnLst>
-              </p:cTn>
-              <p:prevCondLst>
-                <p:cond evt="onPrev" delay="0">
-                  <p:tgtEl>
-                    <p:sldTgt/>
-                  </p:tgtEl>
-                </p:cond>
-              </p:prevCondLst>
-              <p:nextCondLst>
-                <p:cond evt="onNext" delay="0">
-                  <p:tgtEl>
-                    <p:sldTgt/>
-                  </p:tgtEl>
-                </p:cond>
-              </p:nextCondLst>
-            </p:seq>
-          </p:childTnLst>
-        </p:cTn>
-      </p:par>
-    </p:tnLst>
-  </p:timing>
 </p:sld>
 </file>
 
